--- a/reports/20191205_ac6_curtains_in_blc.pptx
+++ b/reports/20191205_ac6_curtains_in_blc.pptx
@@ -8,7 +8,10 @@
     <p:sldId id="256" r:id="rId2"/>
     <p:sldId id="257" r:id="rId3"/>
     <p:sldId id="258" r:id="rId4"/>
-    <p:sldId id="259" r:id="rId5"/>
+    <p:sldId id="260" r:id="rId5"/>
+    <p:sldId id="261" r:id="rId6"/>
+    <p:sldId id="262" r:id="rId7"/>
+    <p:sldId id="259" r:id="rId8"/>
   </p:sldIdLst>
   <p:sldSz cx="12192000" cy="6858000"/>
   <p:notesSz cx="6858000" cy="9144000"/>
@@ -3616,7 +3619,7 @@
           <a:p>
             <a:r>
               <a:rPr lang="en-US" dirty="0"/>
-              <a:t>With my fixed code, I found 159 curtains in the BLC</a:t>
+              <a:t>With my fixed code, I found 110 curtains in the BLC</a:t>
             </a:r>
           </a:p>
           <a:p>
@@ -3645,7 +3648,27 @@
           <a:p>
             <a:r>
               <a:rPr lang="en-US" dirty="0"/>
-              <a:t>Now I am working to check if </a:t>
+              <a:t>I am checking for other mistakes </a:t>
+            </a:r>
+          </a:p>
+          <a:p>
+            <a:r>
+              <a:rPr lang="en-US" dirty="0"/>
+              <a:t>I made a few curtain validation plots</a:t>
+            </a:r>
+          </a:p>
+          <a:p>
+            <a:pPr lvl="1"/>
+            <a:r>
+              <a:rPr lang="en-US" dirty="0"/>
+              <a:t>As with Bern’s plots the top panel is data from the same time and bottom panel is shifted by the in-track lag</a:t>
+            </a:r>
+          </a:p>
+          <a:p>
+            <a:pPr lvl="1"/>
+            <a:r>
+              <a:rPr lang="en-US" dirty="0"/>
+              <a:t>I annotated AC6’s position for each curtain observation</a:t>
             </a:r>
           </a:p>
         </p:txBody>
@@ -3664,6 +3687,516 @@
 </file>
 
 <file path=ppt/slides/slide4.xml><?xml version="1.0" encoding="utf-8"?>
+<p:sld xmlns:a="http://schemas.openxmlformats.org/drawingml/2006/main" xmlns:r="http://schemas.openxmlformats.org/officeDocument/2006/relationships" xmlns:p="http://schemas.openxmlformats.org/presentationml/2006/main">
+  <p:cSld>
+    <p:spTree>
+      <p:nvGrpSpPr>
+        <p:cNvPr id="1" name=""/>
+        <p:cNvGrpSpPr/>
+        <p:nvPr/>
+      </p:nvGrpSpPr>
+      <p:grpSpPr>
+        <a:xfrm>
+          <a:off x="0" y="0"/>
+          <a:ext cx="0" cy="0"/>
+          <a:chOff x="0" y="0"/>
+          <a:chExt cx="0" cy="0"/>
+        </a:xfrm>
+      </p:grpSpPr>
+      <p:sp>
+        <p:nvSpPr>
+          <p:cNvPr id="2" name="Title 1">
+            <a:extLst>
+              <a:ext uri="{FF2B5EF4-FFF2-40B4-BE49-F238E27FC236}">
+                <a16:creationId xmlns:a16="http://schemas.microsoft.com/office/drawing/2014/main" id="{0F02645C-8949-4DDE-AB8F-D617F2796A01}"/>
+              </a:ext>
+            </a:extLst>
+          </p:cNvPr>
+          <p:cNvSpPr>
+            <a:spLocks noGrp="1"/>
+          </p:cNvSpPr>
+          <p:nvPr>
+            <p:ph type="title"/>
+          </p:nvPr>
+        </p:nvSpPr>
+        <p:spPr/>
+        <p:txBody>
+          <a:bodyPr/>
+          <a:lstStyle/>
+          <a:p>
+            <a:r>
+              <a:rPr lang="en-US" dirty="0"/>
+              <a:t>Above Iceland</a:t>
+            </a:r>
+          </a:p>
+        </p:txBody>
+      </p:sp>
+      <p:pic>
+        <p:nvPicPr>
+          <p:cNvPr id="5" name="Content Placeholder 4" descr="A picture containing screenshot&#10;&#10;Description automatically generated">
+            <a:extLst>
+              <a:ext uri="{FF2B5EF4-FFF2-40B4-BE49-F238E27FC236}">
+                <a16:creationId xmlns:a16="http://schemas.microsoft.com/office/drawing/2014/main" id="{78545AA9-B7CD-4826-B5E5-D83AE1CC9D55}"/>
+              </a:ext>
+            </a:extLst>
+          </p:cNvPr>
+          <p:cNvPicPr>
+            <a:picLocks noGrp="1" noChangeAspect="1"/>
+          </p:cNvPicPr>
+          <p:nvPr>
+            <p:ph idx="1"/>
+          </p:nvPr>
+        </p:nvPicPr>
+        <p:blipFill>
+          <a:blip r:embed="rId2">
+            <a:extLst>
+              <a:ext uri="{28A0092B-C50C-407E-A947-70E740481C1C}">
+                <a14:useLocalDpi xmlns:a14="http://schemas.microsoft.com/office/drawing/2010/main" val="0"/>
+              </a:ext>
+            </a:extLst>
+          </a:blip>
+          <a:stretch>
+            <a:fillRect/>
+          </a:stretch>
+        </p:blipFill>
+        <p:spPr>
+          <a:xfrm>
+            <a:off x="931593" y="1833120"/>
+            <a:ext cx="5801784" cy="4351338"/>
+          </a:xfrm>
+        </p:spPr>
+      </p:pic>
+      <p:pic>
+        <p:nvPicPr>
+          <p:cNvPr id="7" name="Picture 6" descr="A picture containing screenshot&#10;&#10;Description automatically generated">
+            <a:extLst>
+              <a:ext uri="{FF2B5EF4-FFF2-40B4-BE49-F238E27FC236}">
+                <a16:creationId xmlns:a16="http://schemas.microsoft.com/office/drawing/2014/main" id="{CB9C2E33-4B4B-4D25-9E48-B18ED9CA2516}"/>
+              </a:ext>
+            </a:extLst>
+          </p:cNvPr>
+          <p:cNvPicPr>
+            <a:picLocks noChangeAspect="1"/>
+          </p:cNvPicPr>
+          <p:nvPr/>
+        </p:nvPicPr>
+        <p:blipFill>
+          <a:blip r:embed="rId3">
+            <a:extLst>
+              <a:ext uri="{28A0092B-C50C-407E-A947-70E740481C1C}">
+                <a14:useLocalDpi xmlns:a14="http://schemas.microsoft.com/office/drawing/2010/main" val="0"/>
+              </a:ext>
+            </a:extLst>
+          </a:blip>
+          <a:stretch>
+            <a:fillRect/>
+          </a:stretch>
+        </p:blipFill>
+        <p:spPr>
+          <a:xfrm>
+            <a:off x="6339828" y="1795329"/>
+            <a:ext cx="5852172" cy="4389129"/>
+          </a:xfrm>
+          <a:prstGeom prst="rect">
+            <a:avLst/>
+          </a:prstGeom>
+        </p:spPr>
+      </p:pic>
+    </p:spTree>
+    <p:extLst>
+      <p:ext uri="{BB962C8B-B14F-4D97-AF65-F5344CB8AC3E}">
+        <p14:creationId xmlns:p14="http://schemas.microsoft.com/office/powerpoint/2010/main" val="1251042823"/>
+      </p:ext>
+    </p:extLst>
+  </p:cSld>
+  <p:clrMapOvr>
+    <a:masterClrMapping/>
+  </p:clrMapOvr>
+</p:sld>
+</file>
+
+<file path=ppt/slides/slide5.xml><?xml version="1.0" encoding="utf-8"?>
+<p:sld xmlns:a="http://schemas.openxmlformats.org/drawingml/2006/main" xmlns:r="http://schemas.openxmlformats.org/officeDocument/2006/relationships" xmlns:p="http://schemas.openxmlformats.org/presentationml/2006/main">
+  <p:cSld>
+    <p:spTree>
+      <p:nvGrpSpPr>
+        <p:cNvPr id="1" name=""/>
+        <p:cNvGrpSpPr/>
+        <p:nvPr/>
+      </p:nvGrpSpPr>
+      <p:grpSpPr>
+        <a:xfrm>
+          <a:off x="0" y="0"/>
+          <a:ext cx="0" cy="0"/>
+          <a:chOff x="0" y="0"/>
+          <a:chExt cx="0" cy="0"/>
+        </a:xfrm>
+      </p:grpSpPr>
+      <p:pic>
+        <p:nvPicPr>
+          <p:cNvPr id="14" name="Picture 13" descr="A picture containing screenshot&#10;&#10;Description automatically generated">
+            <a:extLst>
+              <a:ext uri="{FF2B5EF4-FFF2-40B4-BE49-F238E27FC236}">
+                <a16:creationId xmlns:a16="http://schemas.microsoft.com/office/drawing/2014/main" id="{3122E281-4E82-4098-8C93-73B502887867}"/>
+              </a:ext>
+            </a:extLst>
+          </p:cNvPr>
+          <p:cNvPicPr>
+            <a:picLocks noChangeAspect="1"/>
+          </p:cNvPicPr>
+          <p:nvPr/>
+        </p:nvPicPr>
+        <p:blipFill>
+          <a:blip r:embed="rId2">
+            <a:extLst>
+              <a:ext uri="{28A0092B-C50C-407E-A947-70E740481C1C}">
+                <a14:useLocalDpi xmlns:a14="http://schemas.microsoft.com/office/drawing/2010/main" val="0"/>
+              </a:ext>
+            </a:extLst>
+          </a:blip>
+          <a:stretch>
+            <a:fillRect/>
+          </a:stretch>
+        </p:blipFill>
+        <p:spPr>
+          <a:xfrm>
+            <a:off x="879896" y="3585878"/>
+            <a:ext cx="4537690" cy="3403266"/>
+          </a:xfrm>
+          <a:prstGeom prst="rect">
+            <a:avLst/>
+          </a:prstGeom>
+        </p:spPr>
+      </p:pic>
+      <p:pic>
+        <p:nvPicPr>
+          <p:cNvPr id="18" name="Content Placeholder 17" descr="A picture containing screenshot&#10;&#10;Description automatically generated">
+            <a:extLst>
+              <a:ext uri="{FF2B5EF4-FFF2-40B4-BE49-F238E27FC236}">
+                <a16:creationId xmlns:a16="http://schemas.microsoft.com/office/drawing/2014/main" id="{1A49082B-6F81-4B1C-B696-8747A272C121}"/>
+              </a:ext>
+            </a:extLst>
+          </p:cNvPr>
+          <p:cNvPicPr>
+            <a:picLocks noGrp="1" noChangeAspect="1"/>
+          </p:cNvPicPr>
+          <p:nvPr>
+            <p:ph sz="half" idx="2"/>
+          </p:nvPr>
+        </p:nvPicPr>
+        <p:blipFill>
+          <a:blip r:embed="rId3">
+            <a:extLst>
+              <a:ext uri="{28A0092B-C50C-407E-A947-70E740481C1C}">
+                <a14:useLocalDpi xmlns:a14="http://schemas.microsoft.com/office/drawing/2010/main" val="0"/>
+              </a:ext>
+            </a:extLst>
+          </a:blip>
+          <a:stretch>
+            <a:fillRect/>
+          </a:stretch>
+        </p:blipFill>
+        <p:spPr>
+          <a:xfrm>
+            <a:off x="6969346" y="3579337"/>
+            <a:ext cx="4267920" cy="3200940"/>
+          </a:xfrm>
+        </p:spPr>
+      </p:pic>
+      <p:pic>
+        <p:nvPicPr>
+          <p:cNvPr id="8" name="Content Placeholder 7" descr="A picture containing screenshot&#10;&#10;Description automatically generated">
+            <a:extLst>
+              <a:ext uri="{FF2B5EF4-FFF2-40B4-BE49-F238E27FC236}">
+                <a16:creationId xmlns:a16="http://schemas.microsoft.com/office/drawing/2014/main" id="{387FCBD6-7FB8-4463-9BC7-110CD3A4B449}"/>
+              </a:ext>
+            </a:extLst>
+          </p:cNvPr>
+          <p:cNvPicPr>
+            <a:picLocks noGrp="1" noChangeAspect="1"/>
+          </p:cNvPicPr>
+          <p:nvPr>
+            <p:ph sz="half" idx="1"/>
+          </p:nvPr>
+        </p:nvPicPr>
+        <p:blipFill>
+          <a:blip r:embed="rId4">
+            <a:extLst>
+              <a:ext uri="{28A0092B-C50C-407E-A947-70E740481C1C}">
+                <a14:useLocalDpi xmlns:a14="http://schemas.microsoft.com/office/drawing/2010/main" val="0"/>
+              </a:ext>
+            </a:extLst>
+          </a:blip>
+          <a:stretch>
+            <a:fillRect/>
+          </a:stretch>
+        </p:blipFill>
+        <p:spPr>
+          <a:xfrm>
+            <a:off x="954734" y="546398"/>
+            <a:ext cx="4297252" cy="3222938"/>
+          </a:xfrm>
+        </p:spPr>
+      </p:pic>
+      <p:pic>
+        <p:nvPicPr>
+          <p:cNvPr id="12" name="Picture 11" descr="A picture containing screenshot&#10;&#10;Description automatically generated">
+            <a:extLst>
+              <a:ext uri="{FF2B5EF4-FFF2-40B4-BE49-F238E27FC236}">
+                <a16:creationId xmlns:a16="http://schemas.microsoft.com/office/drawing/2014/main" id="{FEB51542-4677-47A0-8B4A-924E51AE18DD}"/>
+              </a:ext>
+            </a:extLst>
+          </p:cNvPr>
+          <p:cNvPicPr>
+            <a:picLocks noChangeAspect="1"/>
+          </p:cNvPicPr>
+          <p:nvPr/>
+        </p:nvPicPr>
+        <p:blipFill>
+          <a:blip r:embed="rId5">
+            <a:extLst>
+              <a:ext uri="{28A0092B-C50C-407E-A947-70E740481C1C}">
+                <a14:useLocalDpi xmlns:a14="http://schemas.microsoft.com/office/drawing/2010/main" val="0"/>
+              </a:ext>
+            </a:extLst>
+          </a:blip>
+          <a:stretch>
+            <a:fillRect/>
+          </a:stretch>
+        </p:blipFill>
+        <p:spPr>
+          <a:xfrm>
+            <a:off x="6969346" y="707652"/>
+            <a:ext cx="4082248" cy="3061684"/>
+          </a:xfrm>
+          <a:prstGeom prst="rect">
+            <a:avLst/>
+          </a:prstGeom>
+        </p:spPr>
+      </p:pic>
+      <p:sp>
+        <p:nvSpPr>
+          <p:cNvPr id="19" name="TextBox 18">
+            <a:extLst>
+              <a:ext uri="{FF2B5EF4-FFF2-40B4-BE49-F238E27FC236}">
+                <a16:creationId xmlns:a16="http://schemas.microsoft.com/office/drawing/2014/main" id="{184CAFC1-6269-4A8F-A530-42001FC583D5}"/>
+              </a:ext>
+            </a:extLst>
+          </p:cNvPr>
+          <p:cNvSpPr txBox="1"/>
+          <p:nvPr/>
+        </p:nvSpPr>
+        <p:spPr>
+          <a:xfrm>
+            <a:off x="2807494" y="128588"/>
+            <a:ext cx="5707856" cy="584775"/>
+          </a:xfrm>
+          <a:prstGeom prst="rect">
+            <a:avLst/>
+          </a:prstGeom>
+          <a:noFill/>
+        </p:spPr>
+        <p:txBody>
+          <a:bodyPr wrap="square" rtlCol="0">
+            <a:spAutoFit/>
+          </a:bodyPr>
+          <a:lstStyle/>
+          <a:p>
+            <a:pPr algn="ctr"/>
+            <a:r>
+              <a:rPr lang="en-US" sz="3200" dirty="0"/>
+              <a:t>More examples</a:t>
+            </a:r>
+            <a:endParaRPr lang="en-US" dirty="0"/>
+          </a:p>
+        </p:txBody>
+      </p:sp>
+    </p:spTree>
+    <p:extLst>
+      <p:ext uri="{BB962C8B-B14F-4D97-AF65-F5344CB8AC3E}">
+        <p14:creationId xmlns:p14="http://schemas.microsoft.com/office/powerpoint/2010/main" val="128121652"/>
+      </p:ext>
+    </p:extLst>
+  </p:cSld>
+  <p:clrMapOvr>
+    <a:masterClrMapping/>
+  </p:clrMapOvr>
+</p:sld>
+</file>
+
+<file path=ppt/slides/slide6.xml><?xml version="1.0" encoding="utf-8"?>
+<p:sld xmlns:a="http://schemas.openxmlformats.org/drawingml/2006/main" xmlns:r="http://schemas.openxmlformats.org/officeDocument/2006/relationships" xmlns:p="http://schemas.openxmlformats.org/presentationml/2006/main">
+  <p:cSld>
+    <p:spTree>
+      <p:nvGrpSpPr>
+        <p:cNvPr id="1" name=""/>
+        <p:cNvGrpSpPr/>
+        <p:nvPr/>
+      </p:nvGrpSpPr>
+      <p:grpSpPr>
+        <a:xfrm>
+          <a:off x="0" y="0"/>
+          <a:ext cx="0" cy="0"/>
+          <a:chOff x="0" y="0"/>
+          <a:chExt cx="0" cy="0"/>
+        </a:xfrm>
+      </p:grpSpPr>
+      <p:pic>
+        <p:nvPicPr>
+          <p:cNvPr id="6" name="Content Placeholder 5" descr="A close up of a logo&#10;&#10;Description automatically generated">
+            <a:extLst>
+              <a:ext uri="{FF2B5EF4-FFF2-40B4-BE49-F238E27FC236}">
+                <a16:creationId xmlns:a16="http://schemas.microsoft.com/office/drawing/2014/main" id="{38898C24-B922-4730-A569-5CF1170F6189}"/>
+              </a:ext>
+            </a:extLst>
+          </p:cNvPr>
+          <p:cNvPicPr>
+            <a:picLocks noGrp="1" noChangeAspect="1"/>
+          </p:cNvPicPr>
+          <p:nvPr>
+            <p:ph sz="half" idx="1"/>
+          </p:nvPr>
+        </p:nvPicPr>
+        <p:blipFill>
+          <a:blip r:embed="rId2">
+            <a:extLst>
+              <a:ext uri="{28A0092B-C50C-407E-A947-70E740481C1C}">
+                <a14:useLocalDpi xmlns:a14="http://schemas.microsoft.com/office/drawing/2010/main" val="0"/>
+              </a:ext>
+            </a:extLst>
+          </a:blip>
+          <a:stretch>
+            <a:fillRect/>
+          </a:stretch>
+        </p:blipFill>
+        <p:spPr>
+          <a:xfrm>
+            <a:off x="1053876" y="118067"/>
+            <a:ext cx="4040714" cy="3030536"/>
+          </a:xfrm>
+        </p:spPr>
+      </p:pic>
+      <p:pic>
+        <p:nvPicPr>
+          <p:cNvPr id="8" name="Content Placeholder 7" descr="A picture containing text&#10;&#10;Description automatically generated">
+            <a:extLst>
+              <a:ext uri="{FF2B5EF4-FFF2-40B4-BE49-F238E27FC236}">
+                <a16:creationId xmlns:a16="http://schemas.microsoft.com/office/drawing/2014/main" id="{2DF0D600-077B-4BA9-8AFB-D49B88A30537}"/>
+              </a:ext>
+            </a:extLst>
+          </p:cNvPr>
+          <p:cNvPicPr>
+            <a:picLocks noGrp="1" noChangeAspect="1"/>
+          </p:cNvPicPr>
+          <p:nvPr>
+            <p:ph sz="half" idx="2"/>
+          </p:nvPr>
+        </p:nvPicPr>
+        <p:blipFill>
+          <a:blip r:embed="rId3">
+            <a:extLst>
+              <a:ext uri="{28A0092B-C50C-407E-A947-70E740481C1C}">
+                <a14:useLocalDpi xmlns:a14="http://schemas.microsoft.com/office/drawing/2010/main" val="0"/>
+              </a:ext>
+            </a:extLst>
+          </a:blip>
+          <a:stretch>
+            <a:fillRect/>
+          </a:stretch>
+        </p:blipFill>
+        <p:spPr>
+          <a:xfrm>
+            <a:off x="6182612" y="43440"/>
+            <a:ext cx="4514079" cy="3385559"/>
+          </a:xfrm>
+        </p:spPr>
+      </p:pic>
+      <p:pic>
+        <p:nvPicPr>
+          <p:cNvPr id="10" name="Picture 9" descr="A close up of a logo&#10;&#10;Description automatically generated">
+            <a:extLst>
+              <a:ext uri="{FF2B5EF4-FFF2-40B4-BE49-F238E27FC236}">
+                <a16:creationId xmlns:a16="http://schemas.microsoft.com/office/drawing/2014/main" id="{18987151-6F34-433A-AE95-D996A959F376}"/>
+              </a:ext>
+            </a:extLst>
+          </p:cNvPr>
+          <p:cNvPicPr>
+            <a:picLocks noChangeAspect="1"/>
+          </p:cNvPicPr>
+          <p:nvPr/>
+        </p:nvPicPr>
+        <p:blipFill>
+          <a:blip r:embed="rId4">
+            <a:extLst>
+              <a:ext uri="{28A0092B-C50C-407E-A947-70E740481C1C}">
+                <a14:useLocalDpi xmlns:a14="http://schemas.microsoft.com/office/drawing/2010/main" val="0"/>
+              </a:ext>
+            </a:extLst>
+          </a:blip>
+          <a:stretch>
+            <a:fillRect/>
+          </a:stretch>
+        </p:blipFill>
+        <p:spPr>
+          <a:xfrm>
+            <a:off x="6129729" y="3098980"/>
+            <a:ext cx="4788398" cy="3591298"/>
+          </a:xfrm>
+          <a:prstGeom prst="rect">
+            <a:avLst/>
+          </a:prstGeom>
+        </p:spPr>
+      </p:pic>
+      <p:pic>
+        <p:nvPicPr>
+          <p:cNvPr id="12" name="Picture 11" descr="A close up of a logo&#10;&#10;Description automatically generated">
+            <a:extLst>
+              <a:ext uri="{FF2B5EF4-FFF2-40B4-BE49-F238E27FC236}">
+                <a16:creationId xmlns:a16="http://schemas.microsoft.com/office/drawing/2014/main" id="{4E7C4D79-9655-41AC-A01C-F6719F500310}"/>
+              </a:ext>
+            </a:extLst>
+          </p:cNvPr>
+          <p:cNvPicPr>
+            <a:picLocks noChangeAspect="1"/>
+          </p:cNvPicPr>
+          <p:nvPr/>
+        </p:nvPicPr>
+        <p:blipFill>
+          <a:blip r:embed="rId5">
+            <a:extLst>
+              <a:ext uri="{28A0092B-C50C-407E-A947-70E740481C1C}">
+                <a14:useLocalDpi xmlns:a14="http://schemas.microsoft.com/office/drawing/2010/main" val="0"/>
+              </a:ext>
+            </a:extLst>
+          </a:blip>
+          <a:stretch>
+            <a:fillRect/>
+          </a:stretch>
+        </p:blipFill>
+        <p:spPr>
+          <a:xfrm>
+            <a:off x="680034" y="3098980"/>
+            <a:ext cx="4788398" cy="3591298"/>
+          </a:xfrm>
+          <a:prstGeom prst="rect">
+            <a:avLst/>
+          </a:prstGeom>
+        </p:spPr>
+      </p:pic>
+    </p:spTree>
+    <p:extLst>
+      <p:ext uri="{BB962C8B-B14F-4D97-AF65-F5344CB8AC3E}">
+        <p14:creationId xmlns:p14="http://schemas.microsoft.com/office/powerpoint/2010/main" val="2096086322"/>
+      </p:ext>
+    </p:extLst>
+  </p:cSld>
+  <p:clrMapOvr>
+    <a:masterClrMapping/>
+  </p:clrMapOvr>
+</p:sld>
+</file>
+
+<file path=ppt/slides/slide7.xml><?xml version="1.0" encoding="utf-8"?>
 <p:sld xmlns:a="http://schemas.openxmlformats.org/drawingml/2006/main" xmlns:r="http://schemas.openxmlformats.org/officeDocument/2006/relationships" xmlns:p="http://schemas.openxmlformats.org/presentationml/2006/main">
   <p:cSld>
     <p:spTree>
